--- a/lesson12.pptx
+++ b/lesson12.pptx
@@ -5,7 +5,7 @@
     <p:sldMasterId id="2147483648" r:id="rId1"/>
   </p:sldMasterIdLst>
   <p:notesMasterIdLst>
-    <p:notesMasterId r:id="rId27"/>
+    <p:notesMasterId r:id="rId26"/>
   </p:notesMasterIdLst>
   <p:sldIdLst>
     <p:sldId id="538" r:id="rId2"/>
@@ -32,7 +32,6 @@
     <p:sldId id="501" r:id="rId23"/>
     <p:sldId id="304" r:id="rId24"/>
     <p:sldId id="303" r:id="rId25"/>
-    <p:sldId id="558" r:id="rId26"/>
   </p:sldIdLst>
   <p:sldSz cx="12192000" cy="6858000"/>
   <p:notesSz cx="6858000" cy="9144000"/>
@@ -152,6 +151,22 @@
 
 <file path=ppt/changesInfos/changesInfo1.xml><?xml version="1.0" encoding="utf-8"?>
 <pc:chgInfo xmlns:a="http://schemas.openxmlformats.org/drawingml/2006/main" xmlns:r="http://schemas.openxmlformats.org/officeDocument/2006/relationships" xmlns:ac="http://schemas.microsoft.com/office/drawing/2013/main/command" xmlns:pc="http://schemas.microsoft.com/office/powerpoint/2013/main/command">
+  <pc:docChgLst>
+    <pc:chgData name="Anatoliy Kigel" userId="7432c6c4687b0a9c" providerId="LiveId" clId="{6AC27F12-B1AC-4322-87F4-68738B1C22B3}"/>
+    <pc:docChg chg="delSld">
+      <pc:chgData name="Anatoliy Kigel" userId="7432c6c4687b0a9c" providerId="LiveId" clId="{6AC27F12-B1AC-4322-87F4-68738B1C22B3}" dt="2022-08-06T11:42:00.841" v="0" actId="47"/>
+      <pc:docMkLst>
+        <pc:docMk/>
+      </pc:docMkLst>
+      <pc:sldChg chg="del">
+        <pc:chgData name="Anatoliy Kigel" userId="7432c6c4687b0a9c" providerId="LiveId" clId="{6AC27F12-B1AC-4322-87F4-68738B1C22B3}" dt="2022-08-06T11:42:00.841" v="0" actId="47"/>
+        <pc:sldMkLst>
+          <pc:docMk/>
+          <pc:sldMk cId="2635159579" sldId="558"/>
+        </pc:sldMkLst>
+      </pc:sldChg>
+    </pc:docChg>
+  </pc:docChgLst>
   <pc:docChgLst>
     <pc:chgData name="Anatoliy Kigel" userId="7432c6c4687b0a9c" providerId="LiveId" clId="{0C66D629-4FE0-44D4-B206-29F87EBE659E}"/>
     <pc:docChg chg="undo custSel addSld delSld modSld sldOrd">
@@ -2198,7 +2213,7 @@
             <a:fld id="{85522811-C5C6-42D2-A409-F8556720C93F}" type="datetimeFigureOut">
               <a:rPr lang="uk-UA" smtClean="0"/>
               <a:pPr/>
-              <a:t>02.05.2022</a:t>
+              <a:t>06.08.2022</a:t>
             </a:fld>
             <a:endParaRPr lang="uk-UA"/>
           </a:p>
@@ -2740,98 +2755,6 @@
 </p:notes>
 </file>
 
-<file path=ppt/notesSlides/notesSlide4.xml><?xml version="1.0" encoding="utf-8"?>
-<p:notes xmlns:a="http://schemas.openxmlformats.org/drawingml/2006/main" xmlns:r="http://schemas.openxmlformats.org/officeDocument/2006/relationships" xmlns:p="http://schemas.openxmlformats.org/presentationml/2006/main">
-  <p:cSld>
-    <p:spTree>
-      <p:nvGrpSpPr>
-        <p:cNvPr id="1" name=""/>
-        <p:cNvGrpSpPr/>
-        <p:nvPr/>
-      </p:nvGrpSpPr>
-      <p:grpSpPr>
-        <a:xfrm>
-          <a:off x="0" y="0"/>
-          <a:ext cx="0" cy="0"/>
-          <a:chOff x="0" y="0"/>
-          <a:chExt cx="0" cy="0"/>
-        </a:xfrm>
-      </p:grpSpPr>
-      <p:sp>
-        <p:nvSpPr>
-          <p:cNvPr id="2" name="Образ слайда 1"/>
-          <p:cNvSpPr>
-            <a:spLocks noGrp="1" noRot="1" noChangeAspect="1"/>
-          </p:cNvSpPr>
-          <p:nvPr>
-            <p:ph type="sldImg"/>
-          </p:nvPr>
-        </p:nvSpPr>
-        <p:spPr>
-          <a:xfrm>
-            <a:off x="381000" y="685800"/>
-            <a:ext cx="6096000" cy="3429000"/>
-          </a:xfrm>
-        </p:spPr>
-      </p:sp>
-      <p:sp>
-        <p:nvSpPr>
-          <p:cNvPr id="3" name="Заметки 2"/>
-          <p:cNvSpPr>
-            <a:spLocks noGrp="1"/>
-          </p:cNvSpPr>
-          <p:nvPr>
-            <p:ph type="body" idx="1"/>
-          </p:nvPr>
-        </p:nvSpPr>
-        <p:spPr/>
-        <p:txBody>
-          <a:bodyPr>
-            <a:normAutofit/>
-          </a:bodyPr>
-          <a:lstStyle/>
-          <a:p>
-            <a:endParaRPr lang="ru-RU" dirty="0"/>
-          </a:p>
-        </p:txBody>
-      </p:sp>
-      <p:sp>
-        <p:nvSpPr>
-          <p:cNvPr id="4" name="Номер слайда 3"/>
-          <p:cNvSpPr>
-            <a:spLocks noGrp="1"/>
-          </p:cNvSpPr>
-          <p:nvPr>
-            <p:ph type="sldNum" sz="quarter" idx="10"/>
-          </p:nvPr>
-        </p:nvSpPr>
-        <p:spPr/>
-        <p:txBody>
-          <a:bodyPr/>
-          <a:lstStyle/>
-          <a:p>
-            <a:fld id="{B2668688-711B-4328-ACFB-54B46FA90133}" type="slidenum">
-              <a:rPr lang="uk-UA" smtClean="0"/>
-              <a:pPr/>
-              <a:t>25</a:t>
-            </a:fld>
-            <a:endParaRPr lang="uk-UA"/>
-          </a:p>
-        </p:txBody>
-      </p:sp>
-    </p:spTree>
-    <p:extLst>
-      <p:ext uri="{BB962C8B-B14F-4D97-AF65-F5344CB8AC3E}">
-        <p14:creationId xmlns:p14="http://schemas.microsoft.com/office/powerpoint/2010/main" val="2416178705"/>
-      </p:ext>
-    </p:extLst>
-  </p:cSld>
-  <p:clrMapOvr>
-    <a:masterClrMapping/>
-  </p:clrMapOvr>
-</p:notes>
-</file>
-
 <file path=ppt/slideLayouts/slideLayout1.xml><?xml version="1.0" encoding="utf-8"?>
 <p:sldLayout xmlns:a="http://schemas.openxmlformats.org/drawingml/2006/main" xmlns:r="http://schemas.openxmlformats.org/officeDocument/2006/relationships" xmlns:p="http://schemas.openxmlformats.org/presentationml/2006/main" type="title" preserve="1">
   <p:cSld name="Титульный слайд">
@@ -3014,7 +2937,7 @@
             <a:fld id="{E6FC6B0D-6115-4D7C-8040-9C8E2349BB6E}" type="datetime1">
               <a:rPr lang="uk-UA" smtClean="0"/>
               <a:pPr/>
-              <a:t>02.05.2022</a:t>
+              <a:t>06.08.2022</a:t>
             </a:fld>
             <a:endParaRPr lang="uk-UA"/>
           </a:p>
@@ -3181,7 +3104,7 @@
             <a:fld id="{996367BA-0A39-4DE2-BFC3-D5290044365E}" type="datetime1">
               <a:rPr lang="uk-UA" smtClean="0"/>
               <a:pPr/>
-              <a:t>02.05.2022</a:t>
+              <a:t>06.08.2022</a:t>
             </a:fld>
             <a:endParaRPr lang="uk-UA"/>
           </a:p>
@@ -3358,7 +3281,7 @@
             <a:fld id="{1BD6A67F-6C29-47DC-AF8A-FDB3C787DF70}" type="datetime1">
               <a:rPr lang="uk-UA" smtClean="0"/>
               <a:pPr/>
-              <a:t>02.05.2022</a:t>
+              <a:t>06.08.2022</a:t>
             </a:fld>
             <a:endParaRPr lang="uk-UA"/>
           </a:p>
@@ -3525,7 +3448,7 @@
             <a:fld id="{1657D9C5-7FF1-434F-B56E-9BAD559744E9}" type="datetime1">
               <a:rPr lang="uk-UA" smtClean="0"/>
               <a:pPr/>
-              <a:t>02.05.2022</a:t>
+              <a:t>06.08.2022</a:t>
             </a:fld>
             <a:endParaRPr lang="uk-UA"/>
           </a:p>
@@ -3768,7 +3691,7 @@
             <a:fld id="{2CEB0FC9-DE63-476B-A1A9-BE934D9049F8}" type="datetime1">
               <a:rPr lang="uk-UA" smtClean="0"/>
               <a:pPr/>
-              <a:t>02.05.2022</a:t>
+              <a:t>06.08.2022</a:t>
             </a:fld>
             <a:endParaRPr lang="uk-UA"/>
           </a:p>
@@ -4053,7 +3976,7 @@
             <a:fld id="{F964460F-86E2-4DF6-9D0F-12F5005CF375}" type="datetime1">
               <a:rPr lang="uk-UA" smtClean="0"/>
               <a:pPr/>
-              <a:t>02.05.2022</a:t>
+              <a:t>06.08.2022</a:t>
             </a:fld>
             <a:endParaRPr lang="uk-UA"/>
           </a:p>
@@ -4472,7 +4395,7 @@
             <a:fld id="{C521715E-DDCD-4267-B0A5-2918B6F6768A}" type="datetime1">
               <a:rPr lang="uk-UA" smtClean="0"/>
               <a:pPr/>
-              <a:t>02.05.2022</a:t>
+              <a:t>06.08.2022</a:t>
             </a:fld>
             <a:endParaRPr lang="uk-UA"/>
           </a:p>
@@ -4587,7 +4510,7 @@
             <a:fld id="{9289842C-EB2D-4EBB-A272-2F6A49D9794D}" type="datetime1">
               <a:rPr lang="uk-UA" smtClean="0"/>
               <a:pPr/>
-              <a:t>02.05.2022</a:t>
+              <a:t>06.08.2022</a:t>
             </a:fld>
             <a:endParaRPr lang="uk-UA"/>
           </a:p>
@@ -4679,7 +4602,7 @@
             <a:fld id="{D036F091-B700-4B52-99AC-85D0FD94D904}" type="datetime1">
               <a:rPr lang="uk-UA" smtClean="0"/>
               <a:pPr/>
-              <a:t>02.05.2022</a:t>
+              <a:t>06.08.2022</a:t>
             </a:fld>
             <a:endParaRPr lang="uk-UA"/>
           </a:p>
@@ -4953,7 +4876,7 @@
             <a:fld id="{B35DFABA-3811-4634-B803-2EAC4CD0063B}" type="datetime1">
               <a:rPr lang="uk-UA" smtClean="0"/>
               <a:pPr/>
-              <a:t>02.05.2022</a:t>
+              <a:t>06.08.2022</a:t>
             </a:fld>
             <a:endParaRPr lang="uk-UA"/>
           </a:p>
@@ -5203,7 +5126,7 @@
             <a:fld id="{8A9EA25E-F88E-463A-A119-D1E55A881002}" type="datetime1">
               <a:rPr lang="uk-UA" smtClean="0"/>
               <a:pPr/>
-              <a:t>02.05.2022</a:t>
+              <a:t>06.08.2022</a:t>
             </a:fld>
             <a:endParaRPr lang="uk-UA"/>
           </a:p>
@@ -5413,7 +5336,7 @@
             <a:fld id="{E708ED03-0080-49A2-B709-7DA4ACB3A1C3}" type="datetime1">
               <a:rPr lang="uk-UA" smtClean="0"/>
               <a:pPr/>
-              <a:t>02.05.2022</a:t>
+              <a:t>06.08.2022</a:t>
             </a:fld>
             <a:endParaRPr lang="uk-UA"/>
           </a:p>
@@ -12311,222 +12234,6 @@
     <p:extLst>
       <p:ext uri="{BB962C8B-B14F-4D97-AF65-F5344CB8AC3E}">
         <p14:creationId xmlns:p14="http://schemas.microsoft.com/office/powerpoint/2010/main" val="3183192055"/>
-      </p:ext>
-    </p:extLst>
-  </p:cSld>
-  <p:clrMapOvr>
-    <a:masterClrMapping/>
-  </p:clrMapOvr>
-</p:sld>
-</file>
-
-<file path=ppt/slides/slide25.xml><?xml version="1.0" encoding="utf-8"?>
-<p:sld xmlns:a="http://schemas.openxmlformats.org/drawingml/2006/main" xmlns:r="http://schemas.openxmlformats.org/officeDocument/2006/relationships" xmlns:p="http://schemas.openxmlformats.org/presentationml/2006/main">
-  <p:cSld>
-    <p:spTree>
-      <p:nvGrpSpPr>
-        <p:cNvPr id="1" name=""/>
-        <p:cNvGrpSpPr/>
-        <p:nvPr/>
-      </p:nvGrpSpPr>
-      <p:grpSpPr>
-        <a:xfrm>
-          <a:off x="0" y="0"/>
-          <a:ext cx="0" cy="0"/>
-          <a:chOff x="0" y="0"/>
-          <a:chExt cx="0" cy="0"/>
-        </a:xfrm>
-      </p:grpSpPr>
-      <p:sp>
-        <p:nvSpPr>
-          <p:cNvPr id="6" name="Номер слайда 36"/>
-          <p:cNvSpPr txBox="1">
-            <a:spLocks/>
-          </p:cNvSpPr>
-          <p:nvPr/>
-        </p:nvSpPr>
-        <p:spPr>
-          <a:xfrm>
-            <a:off x="11136560" y="6102008"/>
-            <a:ext cx="648072" cy="432048"/>
-          </a:xfrm>
-          <a:prstGeom prst="roundRect">
-            <a:avLst/>
-          </a:prstGeom>
-          <a:ln w="25400" cap="flat" cmpd="sng" algn="ctr">
-            <a:solidFill>
-              <a:schemeClr val="tx2">
-                <a:lumMod val="60000"/>
-                <a:lumOff val="40000"/>
-              </a:schemeClr>
-            </a:solidFill>
-            <a:prstDash val="solid"/>
-          </a:ln>
-        </p:spPr>
-        <p:style>
-          <a:lnRef idx="2">
-            <a:schemeClr val="accent1"/>
-          </a:lnRef>
-          <a:fillRef idx="1">
-            <a:schemeClr val="lt1"/>
-          </a:fillRef>
-          <a:effectRef idx="0">
-            <a:schemeClr val="accent1"/>
-          </a:effectRef>
-          <a:fontRef idx="minor">
-            <a:schemeClr val="dk1"/>
-          </a:fontRef>
-        </p:style>
-        <p:txBody>
-          <a:bodyPr vert="horz" lIns="91440" tIns="45720" rIns="91440" bIns="45720" rtlCol="0" anchor="ctr"/>
-          <a:lstStyle/>
-          <a:p>
-            <a:pPr algn="ctr">
-              <a:defRPr/>
-            </a:pPr>
-            <a:fld id="{6389AA22-90B4-448C-8B6B-C699140D38B9}" type="slidenum">
-              <a:rPr lang="uk-UA" sz="2400" b="1">
-                <a:solidFill>
-                  <a:schemeClr val="bg1">
-                    <a:lumMod val="50000"/>
-                  </a:schemeClr>
-                </a:solidFill>
-              </a:rPr>
-              <a:pPr algn="ctr">
-                <a:defRPr/>
-              </a:pPr>
-              <a:t>25</a:t>
-            </a:fld>
-            <a:endParaRPr lang="uk-UA" sz="2400" b="1" dirty="0">
-              <a:solidFill>
-                <a:schemeClr val="bg1">
-                  <a:lumMod val="50000"/>
-                </a:schemeClr>
-              </a:solidFill>
-            </a:endParaRPr>
-          </a:p>
-        </p:txBody>
-      </p:sp>
-      <p:sp>
-        <p:nvSpPr>
-          <p:cNvPr id="5" name="Прямоугольник 4"/>
-          <p:cNvSpPr/>
-          <p:nvPr/>
-        </p:nvSpPr>
-        <p:spPr>
-          <a:xfrm>
-            <a:off x="7536160" y="1848887"/>
-            <a:ext cx="4439815" cy="1754326"/>
-          </a:xfrm>
-          <a:prstGeom prst="rect">
-            <a:avLst/>
-          </a:prstGeom>
-        </p:spPr>
-        <p:txBody>
-          <a:bodyPr wrap="square">
-            <a:spAutoFit/>
-          </a:bodyPr>
-          <a:lstStyle/>
-          <a:p>
-            <a:pPr algn="ctr" fontAlgn="t"/>
-            <a:r>
-              <a:rPr lang="ru-RU" sz="3600" b="1" dirty="0"/>
-              <a:t>Просьбы оставить своё мнение о курсе (всё анонимно </a:t>
-            </a:r>
-            <a:r>
-              <a:rPr lang="ru-RU" sz="3600" b="1" dirty="0">
-                <a:sym typeface="Wingdings" panose="05000000000000000000" pitchFamily="2" charset="2"/>
-              </a:rPr>
-              <a:t></a:t>
-            </a:r>
-            <a:r>
-              <a:rPr lang="ru-RU" sz="3600" b="1" dirty="0"/>
-              <a:t>)</a:t>
-            </a:r>
-            <a:endParaRPr lang="en-US" sz="3600" b="1" dirty="0"/>
-          </a:p>
-        </p:txBody>
-      </p:sp>
-      <p:sp>
-        <p:nvSpPr>
-          <p:cNvPr id="4" name="Прямоугольник 3"/>
-          <p:cNvSpPr/>
-          <p:nvPr/>
-        </p:nvSpPr>
-        <p:spPr>
-          <a:xfrm>
-            <a:off x="7815957" y="4077072"/>
-            <a:ext cx="3935760" cy="1077218"/>
-          </a:xfrm>
-          <a:prstGeom prst="rect">
-            <a:avLst/>
-          </a:prstGeom>
-        </p:spPr>
-        <p:txBody>
-          <a:bodyPr wrap="square">
-            <a:spAutoFit/>
-          </a:bodyPr>
-          <a:lstStyle/>
-          <a:p>
-            <a:pPr algn="ctr"/>
-            <a:r>
-              <a:rPr lang="en-US" sz="3200" b="1" i="0" dirty="0">
-                <a:solidFill>
-                  <a:srgbClr val="1A1AA6"/>
-                </a:solidFill>
-                <a:effectLst/>
-                <a:hlinkClick r:id="rId3"/>
-              </a:rPr>
-              <a:t>https://forms.gle/YHTyiHemkbSJJ8aQ6</a:t>
-            </a:r>
-            <a:endParaRPr lang="ru-RU" sz="3200" b="1" dirty="0"/>
-          </a:p>
-        </p:txBody>
-      </p:sp>
-      <p:pic>
-        <p:nvPicPr>
-          <p:cNvPr id="3" name="Рисунок 2">
-            <a:extLst>
-              <a:ext uri="{FF2B5EF4-FFF2-40B4-BE49-F238E27FC236}">
-                <a16:creationId xmlns:a16="http://schemas.microsoft.com/office/drawing/2014/main" id="{BD5FC922-12A0-409C-9AA3-923327E820F9}"/>
-              </a:ext>
-            </a:extLst>
-          </p:cNvPr>
-          <p:cNvPicPr>
-            <a:picLocks noChangeAspect="1"/>
-          </p:cNvPicPr>
-          <p:nvPr/>
-        </p:nvPicPr>
-        <p:blipFill>
-          <a:blip r:embed="rId4"/>
-          <a:stretch>
-            <a:fillRect/>
-          </a:stretch>
-        </p:blipFill>
-        <p:spPr>
-          <a:xfrm>
-            <a:off x="0" y="0"/>
-            <a:ext cx="7360581" cy="6858000"/>
-          </a:xfrm>
-          <a:prstGeom prst="rect">
-            <a:avLst/>
-          </a:prstGeom>
-          <a:ln>
-            <a:noFill/>
-          </a:ln>
-          <a:effectLst>
-            <a:outerShdw blurRad="292100" dist="139700" dir="2700000" algn="tl" rotWithShape="0">
-              <a:srgbClr val="333333">
-                <a:alpha val="65000"/>
-              </a:srgbClr>
-            </a:outerShdw>
-          </a:effectLst>
-        </p:spPr>
-      </p:pic>
-    </p:spTree>
-    <p:extLst>
-      <p:ext uri="{BB962C8B-B14F-4D97-AF65-F5344CB8AC3E}">
-        <p14:creationId xmlns:p14="http://schemas.microsoft.com/office/powerpoint/2010/main" val="2635159579"/>
       </p:ext>
     </p:extLst>
   </p:cSld>
